--- a/Presentaciones/Metodologias.pptx
+++ b/Presentaciones/Metodologias.pptx
@@ -5963,18 +5963,37 @@
         <p:spPr/>
         <p:txBody>
           <a:bodyPr>
-            <a:normAutofit/>
+            <a:normAutofit fontScale="85000" lnSpcReduction="20000"/>
           </a:bodyPr>
           <a:lstStyle/>
           <a:p>
             <a:r>
               <a:rPr lang="es-MX" sz="4000" dirty="0"/>
-              <a:t>Se utiliza SCRUM: Se documenta semana a semana los progresos en el proyecto y se planea el trabajo de la siguiente semana. </a:t>
-            </a:r>
-            <a:r>
-              <a:rPr lang="es-MX" sz="4000"/>
-              <a:t>(Minutas)</a:t>
-            </a:r>
+              <a:t>Se utiliza SCRUM:</a:t>
+            </a:r>
+          </a:p>
+          <a:p>
+            <a:pPr lvl="1"/>
+            <a:r>
+              <a:rPr lang="es-MX" sz="3800" dirty="0"/>
+              <a:t> Se documentan semanalmente los progresos en el proyecto y se planea el trabajo de la siguiente semana. (Minutas).</a:t>
+            </a:r>
+          </a:p>
+          <a:p>
+            <a:pPr lvl="2"/>
+            <a:r>
+              <a:rPr lang="es-MX" sz="3600" dirty="0"/>
+              <a:t>Se establecen las tareas de la iteración.</a:t>
+            </a:r>
+          </a:p>
+          <a:p>
+            <a:pPr lvl="2"/>
+            <a:r>
+              <a:rPr lang="es-MX" sz="3600" dirty="0"/>
+              <a:t>Se revisa el progreso y se discuten los retrasos.</a:t>
+            </a:r>
+          </a:p>
+          <a:p>
             <a:endParaRPr lang="es-MX" sz="4000" dirty="0"/>
           </a:p>
         </p:txBody>
@@ -6058,29 +6077,65 @@
         <p:spPr/>
         <p:txBody>
           <a:bodyPr>
-            <a:normAutofit fontScale="92500" lnSpcReduction="10000"/>
+            <a:normAutofit fontScale="70000" lnSpcReduction="20000"/>
           </a:bodyPr>
           <a:lstStyle/>
           <a:p>
             <a:r>
               <a:rPr lang="es-MX" sz="4000" dirty="0"/>
-              <a:t>Se utiliza XP: Empleando integración continua, se entregan </a:t>
-            </a:r>
-            <a:r>
-              <a:rPr lang="es-MX" sz="4000" dirty="0" err="1"/>
+              <a:t>Se utiliza XP:</a:t>
+            </a:r>
+          </a:p>
+          <a:p>
+            <a:pPr lvl="1"/>
+            <a:r>
+              <a:rPr lang="es-MX" sz="3800" dirty="0"/>
+              <a:t>Empleando integración continua (</a:t>
+            </a:r>
+            <a:r>
+              <a:rPr lang="es-MX" sz="3800" dirty="0" err="1"/>
+              <a:t>TravisCI</a:t>
+            </a:r>
+            <a:r>
+              <a:rPr lang="es-MX" sz="3800" dirty="0"/>
+              <a:t>):</a:t>
+            </a:r>
+          </a:p>
+          <a:p>
+            <a:pPr lvl="2"/>
+            <a:r>
+              <a:rPr lang="es-MX" sz="3600" dirty="0"/>
+              <a:t>Se entregan </a:t>
+            </a:r>
+            <a:r>
+              <a:rPr lang="es-MX" sz="3600" dirty="0" err="1"/>
               <a:t>builds</a:t>
             </a:r>
             <a:r>
-              <a:rPr lang="es-MX" sz="4000" dirty="0"/>
-              <a:t> preliminares a los usuarios; con </a:t>
-            </a:r>
-            <a:r>
-              <a:rPr lang="es-MX" sz="4000" dirty="0" err="1"/>
+              <a:rPr lang="es-MX" sz="3600" dirty="0"/>
+              <a:t> preliminares a los usuarios cada día.</a:t>
+            </a:r>
+          </a:p>
+          <a:p>
+            <a:pPr lvl="2"/>
+            <a:r>
+              <a:rPr lang="es-MX" sz="3600" dirty="0"/>
+              <a:t>Se realizan pruebas unitarias.</a:t>
+            </a:r>
+          </a:p>
+          <a:p>
+            <a:pPr lvl="1"/>
+            <a:r>
+              <a:rPr lang="es-MX" sz="3800" dirty="0"/>
+              <a:t>Con </a:t>
+            </a:r>
+            <a:r>
+              <a:rPr lang="es-MX" sz="3800" dirty="0" err="1"/>
               <a:t>Github</a:t>
             </a:r>
             <a:r>
-              <a:rPr lang="es-MX" sz="4000" dirty="0"/>
-              <a:t> se les otorga la capacidad de reportar errores, de esta forma se evitan las regresiones y se asegura una entrega de calidad. </a:t>
+              <a:rPr lang="es-MX" sz="3800" dirty="0"/>
+              <a:t> se les otorga la capacidad de reportar errores y solicitar características (se incluye al cliente en el desarrollo), de esta forma se evitan las regresiones y se asegura una entrega de calidad. </a:t>
             </a:r>
           </a:p>
         </p:txBody>

--- a/Presentaciones/Metodologias.pptx
+++ b/Presentaciones/Metodologias.pptx
@@ -6077,7 +6077,7 @@
         <p:spPr/>
         <p:txBody>
           <a:bodyPr>
-            <a:normAutofit fontScale="70000" lnSpcReduction="20000"/>
+            <a:normAutofit fontScale="55000" lnSpcReduction="20000"/>
           </a:bodyPr>
           <a:lstStyle/>
           <a:p>
@@ -6136,6 +6136,13 @@
             <a:r>
               <a:rPr lang="es-MX" sz="3800" dirty="0"/>
               <a:t> se les otorga la capacidad de reportar errores y solicitar características (se incluye al cliente en el desarrollo), de esta forma se evitan las regresiones y se asegura una entrega de calidad. </a:t>
+            </a:r>
+          </a:p>
+          <a:p>
+            <a:pPr lvl="1"/>
+            <a:r>
+              <a:rPr lang="es-MX" sz="3800" dirty="0"/>
+              <a:t>Cada cierta cantidad de iteraciones se realiza una entrega estable. </a:t>
             </a:r>
           </a:p>
         </p:txBody>
